--- a/Java mini project.pptx
+++ b/Java mini project.pptx
@@ -253,7 +253,7 @@
       <p15:sldGuideLst xmlns:p15="http://schemas.microsoft.com/office/powerpoint/2012/main"/>
     </p:ext>
     <p:ext uri="GoogleSlidesCustomDataVersion2">
-      <go:slidesCustomData xmlns:go="http://customooxmlschemas.google.com/" xmlns:ahyp="http://schemas.microsoft.com/office/drawing/2018/hyperlinkcolor" xmlns:p15="http://schemas.microsoft.com/office/powerpoint/2012/main" xmlns:p14="http://schemas.microsoft.com/office/powerpoint/2010/main" xmlns:com="http://schemas.openxmlformats.org/drawingml/2006/compatibility" xmlns:pvml="urn:schemas-microsoft-com:office:powerpoint" xmlns:v="urn:schemas-microsoft-com:vml" xmlns:o="urn:schemas-microsoft-com:office:office" xmlns:dgm="http://schemas.openxmlformats.org/drawingml/2006/diagram" xmlns:c="http://schemas.openxmlformats.org/drawingml/2006/chart" xmlns:mv="urn:schemas-microsoft-com:mac:vml" xmlns:mc="http://schemas.openxmlformats.org/markup-compatibility/2006" xmlns="" r:id="rId16" roundtripDataSignature="AMtx7mjSRRlCFA/cW3kQ7Z8qFsYPlG0gdg=="/>
+      <go:slidesCustomData xmlns="" xmlns:mc="http://schemas.openxmlformats.org/markup-compatibility/2006" xmlns:mv="urn:schemas-microsoft-com:mac:vml" xmlns:c="http://schemas.openxmlformats.org/drawingml/2006/chart" xmlns:dgm="http://schemas.openxmlformats.org/drawingml/2006/diagram" xmlns:o="urn:schemas-microsoft-com:office:office" xmlns:v="urn:schemas-microsoft-com:vml" xmlns:pvml="urn:schemas-microsoft-com:office:powerpoint" xmlns:com="http://schemas.openxmlformats.org/drawingml/2006/compatibility" xmlns:p14="http://schemas.microsoft.com/office/powerpoint/2010/main" xmlns:p15="http://schemas.microsoft.com/office/powerpoint/2012/main" xmlns:ahyp="http://schemas.microsoft.com/office/drawing/2018/hyperlinkcolor" xmlns:go="http://customooxmlschemas.google.com/" r:id="rId16" roundtripDataSignature="AMtx7mjSRRlCFA/cW3kQ7Z8qFsYPlG0gdg=="/>
     </p:ext>
   </p:extLst>
 </p:presentation>
@@ -15448,48 +15448,8 @@
                 <a:latin typeface="Times New Roman" panose="02020603050405020304" pitchFamily="18" charset="0"/>
                 <a:cs typeface="Times New Roman" panose="02020603050405020304" pitchFamily="18" charset="0"/>
               </a:rPr>
-              <a:t>AWT packages</a:t>
+              <a:t>AWT package</a:t>
             </a:r>
-          </a:p>
-          <a:p>
-            <a:pPr marL="443865" lvl="0" indent="-342900">
-              <a:lnSpc>
-                <a:spcPct val="200000"/>
-              </a:lnSpc>
-              <a:buClr>
-                <a:schemeClr val="dk1"/>
-              </a:buClr>
-              <a:buSzPts val="1400"/>
-              <a:buFont typeface="Arial" panose="020B0604020202020204" pitchFamily="34" charset="0"/>
-              <a:buChar char="•"/>
-            </a:pPr>
-            <a:r>
-              <a:rPr lang="en-IN" sz="2000" dirty="0">
-                <a:solidFill>
-                  <a:schemeClr val="dk1"/>
-                </a:solidFill>
-                <a:latin typeface="Times New Roman" panose="02020603050405020304" pitchFamily="18" charset="0"/>
-                <a:cs typeface="Times New Roman" panose="02020603050405020304" pitchFamily="18" charset="0"/>
-              </a:rPr>
-              <a:t>Canvas </a:t>
-            </a:r>
-            <a:r>
-              <a:rPr lang="en-IN" sz="2000" dirty="0" err="1">
-                <a:solidFill>
-                  <a:schemeClr val="dk1"/>
-                </a:solidFill>
-                <a:latin typeface="Times New Roman" panose="02020603050405020304" pitchFamily="18" charset="0"/>
-                <a:cs typeface="Times New Roman" panose="02020603050405020304" pitchFamily="18" charset="0"/>
-              </a:rPr>
-              <a:t>packagess</a:t>
-            </a:r>
-            <a:endParaRPr lang="en-IN" sz="2500" dirty="0">
-              <a:solidFill>
-                <a:schemeClr val="dk1"/>
-              </a:solidFill>
-              <a:latin typeface="Times New Roman" panose="02020603050405020304" pitchFamily="18" charset="0"/>
-              <a:cs typeface="Times New Roman" panose="02020603050405020304" pitchFamily="18" charset="0"/>
-            </a:endParaRPr>
           </a:p>
         </p:txBody>
       </p:sp>

--- a/Java mini project.pptx
+++ b/Java mini project.pptx
@@ -253,7 +253,7 @@
       <p15:sldGuideLst xmlns:p15="http://schemas.microsoft.com/office/powerpoint/2012/main"/>
     </p:ext>
     <p:ext uri="GoogleSlidesCustomDataVersion2">
-      <go:slidesCustomData xmlns="" xmlns:mc="http://schemas.openxmlformats.org/markup-compatibility/2006" xmlns:mv="urn:schemas-microsoft-com:mac:vml" xmlns:c="http://schemas.openxmlformats.org/drawingml/2006/chart" xmlns:dgm="http://schemas.openxmlformats.org/drawingml/2006/diagram" xmlns:o="urn:schemas-microsoft-com:office:office" xmlns:v="urn:schemas-microsoft-com:vml" xmlns:pvml="urn:schemas-microsoft-com:office:powerpoint" xmlns:com="http://schemas.openxmlformats.org/drawingml/2006/compatibility" xmlns:p14="http://schemas.microsoft.com/office/powerpoint/2010/main" xmlns:p15="http://schemas.microsoft.com/office/powerpoint/2012/main" xmlns:ahyp="http://schemas.microsoft.com/office/drawing/2018/hyperlinkcolor" xmlns:go="http://customooxmlschemas.google.com/" r:id="rId16" roundtripDataSignature="AMtx7mjSRRlCFA/cW3kQ7Z8qFsYPlG0gdg=="/>
+      <go:slidesCustomData xmlns:go="http://customooxmlschemas.google.com/" xmlns:ahyp="http://schemas.microsoft.com/office/drawing/2018/hyperlinkcolor" xmlns:p15="http://schemas.microsoft.com/office/powerpoint/2012/main" xmlns:p14="http://schemas.microsoft.com/office/powerpoint/2010/main" xmlns:com="http://schemas.openxmlformats.org/drawingml/2006/compatibility" xmlns:pvml="urn:schemas-microsoft-com:office:powerpoint" xmlns:v="urn:schemas-microsoft-com:vml" xmlns:o="urn:schemas-microsoft-com:office:office" xmlns:dgm="http://schemas.openxmlformats.org/drawingml/2006/diagram" xmlns:c="http://schemas.openxmlformats.org/drawingml/2006/chart" xmlns:mv="urn:schemas-microsoft-com:mac:vml" xmlns:mc="http://schemas.openxmlformats.org/markup-compatibility/2006" xmlns="" r:id="rId16" roundtripDataSignature="AMtx7mjSRRlCFA/cW3kQ7Z8qFsYPlG0gdg=="/>
     </p:ext>
   </p:extLst>
 </p:presentation>
@@ -15368,7 +15368,7 @@
         </p:nvSpPr>
         <p:spPr>
           <a:xfrm>
-            <a:off x="1575875" y="1272581"/>
+            <a:off x="1575875" y="1825031"/>
             <a:ext cx="4794519" cy="4773035"/>
           </a:xfrm>
           <a:prstGeom prst="rect">
@@ -16189,36 +16189,6 @@
           <a:chExt cx="0" cy="0"/>
         </a:xfrm>
       </p:grpSpPr>
-      <p:pic>
-        <p:nvPicPr>
-          <p:cNvPr id="5" name="Picture 4">
-            <a:extLst>
-              <a:ext uri="{FF2B5EF4-FFF2-40B4-BE49-F238E27FC236}">
-                <a16:creationId xmlns:a16="http://schemas.microsoft.com/office/drawing/2014/main" id="{CFF78E2A-F7F9-2002-D926-FFEE8D5DA3C2}"/>
-              </a:ext>
-            </a:extLst>
-          </p:cNvPr>
-          <p:cNvPicPr>
-            <a:picLocks noChangeAspect="1"/>
-          </p:cNvPicPr>
-          <p:nvPr/>
-        </p:nvPicPr>
-        <p:blipFill>
-          <a:blip r:embed="rId2"/>
-          <a:stretch>
-            <a:fillRect/>
-          </a:stretch>
-        </p:blipFill>
-        <p:spPr>
-          <a:xfrm>
-            <a:off x="1200150" y="1019272"/>
-            <a:ext cx="5251738" cy="5305327"/>
-          </a:xfrm>
-          <a:prstGeom prst="rect">
-            <a:avLst/>
-          </a:prstGeom>
-        </p:spPr>
-      </p:pic>
       <p:sp>
         <p:nvSpPr>
           <p:cNvPr id="8" name="Google Shape;113;p5">
@@ -16293,10 +16263,40 @@
       </p:sp>
       <p:pic>
         <p:nvPicPr>
-          <p:cNvPr id="10" name="Picture 9">
+          <p:cNvPr id="3" name="Picture 2">
             <a:extLst>
               <a:ext uri="{FF2B5EF4-FFF2-40B4-BE49-F238E27FC236}">
-                <a16:creationId xmlns:a16="http://schemas.microsoft.com/office/drawing/2014/main" id="{BA6D167D-F36C-2230-3619-E62FEA15FB36}"/>
+                <a16:creationId xmlns:a16="http://schemas.microsoft.com/office/drawing/2014/main" id="{B5AF1847-F541-B6E7-CE30-E760046B0893}"/>
+              </a:ext>
+            </a:extLst>
+          </p:cNvPr>
+          <p:cNvPicPr>
+            <a:picLocks noChangeAspect="1"/>
+          </p:cNvPicPr>
+          <p:nvPr/>
+        </p:nvPicPr>
+        <p:blipFill>
+          <a:blip r:embed="rId2"/>
+          <a:stretch>
+            <a:fillRect/>
+          </a:stretch>
+        </p:blipFill>
+        <p:spPr>
+          <a:xfrm>
+            <a:off x="1275688" y="1221435"/>
+            <a:ext cx="5042188" cy="5093639"/>
+          </a:xfrm>
+          <a:prstGeom prst="rect">
+            <a:avLst/>
+          </a:prstGeom>
+        </p:spPr>
+      </p:pic>
+      <p:pic>
+        <p:nvPicPr>
+          <p:cNvPr id="6" name="Picture 5">
+            <a:extLst>
+              <a:ext uri="{FF2B5EF4-FFF2-40B4-BE49-F238E27FC236}">
+                <a16:creationId xmlns:a16="http://schemas.microsoft.com/office/drawing/2014/main" id="{74DE33BC-587E-DBF0-A228-42A64050FD29}"/>
               </a:ext>
             </a:extLst>
           </p:cNvPr>
@@ -16313,8 +16313,8 @@
         </p:blipFill>
         <p:spPr>
           <a:xfrm>
-            <a:off x="6734175" y="1019271"/>
-            <a:ext cx="5251738" cy="5305327"/>
+            <a:off x="6571588" y="1221434"/>
+            <a:ext cx="5042188" cy="5093639"/>
           </a:xfrm>
           <a:prstGeom prst="rect">
             <a:avLst/>
